--- a/slides/pyspark/introduction/4.1_Introduction_to_Spark.pptx
+++ b/slides/pyspark/introduction/4.1_Introduction_to_Spark.pptx
@@ -10659,7 +10659,7 @@
           <a:p>
             <a:fld id="{5B3DB38B-F70D-144F-89B7-4167F0040C69}" type="datetimeFigureOut">
               <a:rPr lang="en-US" smtClean="0"/>
-              <a:t>2/19/23</a:t>
+              <a:t>4/19/23</a:t>
             </a:fld>
             <a:endParaRPr lang="en-US"/>
           </a:p>
@@ -11293,7 +11293,7 @@
           <a:p>
             <a:fld id="{5B3DB38B-F70D-144F-89B7-4167F0040C69}" type="datetimeFigureOut">
               <a:rPr lang="en-US" smtClean="0"/>
-              <a:t>2/19/23</a:t>
+              <a:t>4/19/23</a:t>
             </a:fld>
             <a:endParaRPr lang="en-US"/>
           </a:p>
@@ -11741,7 +11741,7 @@
           <a:p>
             <a:fld id="{5B3DB38B-F70D-144F-89B7-4167F0040C69}" type="datetimeFigureOut">
               <a:rPr lang="en-US" smtClean="0"/>
-              <a:t>2/19/23</a:t>
+              <a:t>4/19/23</a:t>
             </a:fld>
             <a:endParaRPr lang="en-US"/>
           </a:p>
@@ -16252,7 +16252,7 @@
         <p:spPr>
           <a:xfrm>
             <a:off x="381000" y="743877"/>
-            <a:ext cx="5120944" cy="1923123"/>
+            <a:ext cx="5120944" cy="2037425"/>
           </a:xfrm>
           <a:solidFill>
             <a:schemeClr val="bg1">
@@ -16407,6 +16407,73 @@
               <a:buNone/>
             </a:pPr>
             <a:r>
+              <a:rPr lang="en-US" sz="1050" dirty="0">
+                <a:latin typeface="Consolas" panose="020B0609020204030204" pitchFamily="49" charset="0"/>
+                <a:cs typeface="Consolas" panose="020B0609020204030204" pitchFamily="49" charset="0"/>
+              </a:rPr>
+              <a:t>i</a:t>
+            </a:r>
+            <a:r>
+              <a:rPr lang="en-US" sz="1050">
+                <a:latin typeface="Consolas" panose="020B0609020204030204" pitchFamily="49" charset="0"/>
+                <a:cs typeface="Consolas" panose="020B0609020204030204" pitchFamily="49" charset="0"/>
+              </a:rPr>
+              <a:t>nput</a:t>
+            </a:r>
+            <a:r>
+              <a:rPr lang="en-US" sz="1050" dirty="0" err="1">
+                <a:latin typeface="Consolas" panose="020B0609020204030204" pitchFamily="49" charset="0"/>
+                <a:cs typeface="Consolas" panose="020B0609020204030204" pitchFamily="49" charset="0"/>
+              </a:rPr>
+              <a:t>_path</a:t>
+            </a:r>
+            <a:r>
+              <a:rPr lang="en-US" sz="1050" dirty="0">
+                <a:latin typeface="Consolas" panose="020B0609020204030204" pitchFamily="49" charset="0"/>
+                <a:cs typeface="Consolas" panose="020B0609020204030204" pitchFamily="49" charset="0"/>
+              </a:rPr>
+              <a:t> = ”/Users/</a:t>
+            </a:r>
+            <a:r>
+              <a:rPr lang="en-US" sz="1050" dirty="0" err="1">
+                <a:latin typeface="Consolas" panose="020B0609020204030204" pitchFamily="49" charset="0"/>
+                <a:cs typeface="Consolas" panose="020B0609020204030204" pitchFamily="49" charset="0"/>
+              </a:rPr>
+              <a:t>mparsian</a:t>
+            </a:r>
+            <a:r>
+              <a:rPr lang="en-US" sz="1050" dirty="0">
+                <a:latin typeface="Consolas" panose="020B0609020204030204" pitchFamily="49" charset="0"/>
+                <a:cs typeface="Consolas" panose="020B0609020204030204" pitchFamily="49" charset="0"/>
+              </a:rPr>
+              <a:t>/data/</a:t>
+            </a:r>
+            <a:r>
+              <a:rPr lang="en-US" sz="1050" dirty="0" err="1">
+                <a:latin typeface="Consolas" panose="020B0609020204030204" pitchFamily="49" charset="0"/>
+                <a:cs typeface="Consolas" panose="020B0609020204030204" pitchFamily="49" charset="0"/>
+              </a:rPr>
+              <a:t>fox.txt</a:t>
+            </a:r>
+            <a:r>
+              <a:rPr lang="en-US" sz="1050" dirty="0">
+                <a:latin typeface="Consolas" panose="020B0609020204030204" pitchFamily="49" charset="0"/>
+                <a:cs typeface="Consolas" panose="020B0609020204030204" pitchFamily="49" charset="0"/>
+              </a:rPr>
+              <a:t>”</a:t>
+            </a:r>
+          </a:p>
+          <a:p>
+            <a:pPr marL="0" indent="0">
+              <a:lnSpc>
+                <a:spcPct val="80000"/>
+              </a:lnSpc>
+              <a:spcBef>
+                <a:spcPts val="1200"/>
+              </a:spcBef>
+              <a:buNone/>
+            </a:pPr>
+            <a:r>
               <a:rPr lang="en-US" sz="1400" dirty="0">
                 <a:latin typeface="Lucida Console"/>
                 <a:cs typeface="Lucida Console"/>
@@ -16523,8 +16590,8 @@
         </p:nvSpPr>
         <p:spPr>
           <a:xfrm>
-            <a:off x="381000" y="2743200"/>
-            <a:ext cx="5123645" cy="1447800"/>
+            <a:off x="358945" y="2933701"/>
+            <a:ext cx="5123645" cy="1257300"/>
           </a:xfrm>
           <a:prstGeom prst="rect">
             <a:avLst/>
